--- a/assets/Infografia.pptx
+++ b/assets/Infografia.pptx
@@ -1084,7 +1084,7 @@
           <a:p>
             <a:fld id="{3D6DEB8E-57A5-4E24-A79E-0156C7376F47}" type="datetimeFigureOut">
               <a:rPr lang="es-ES" smtClean="0"/>
-              <a:t>11/06/2022</a:t>
+              <a:t>13/06/2022</a:t>
             </a:fld>
             <a:endParaRPr lang="es-ES"/>
           </a:p>
@@ -1254,7 +1254,7 @@
           <a:p>
             <a:fld id="{3D6DEB8E-57A5-4E24-A79E-0156C7376F47}" type="datetimeFigureOut">
               <a:rPr lang="es-ES" smtClean="0"/>
-              <a:t>11/06/2022</a:t>
+              <a:t>13/06/2022</a:t>
             </a:fld>
             <a:endParaRPr lang="es-ES"/>
           </a:p>
@@ -1434,7 +1434,7 @@
           <a:p>
             <a:fld id="{3D6DEB8E-57A5-4E24-A79E-0156C7376F47}" type="datetimeFigureOut">
               <a:rPr lang="es-ES" smtClean="0"/>
-              <a:t>11/06/2022</a:t>
+              <a:t>13/06/2022</a:t>
             </a:fld>
             <a:endParaRPr lang="es-ES"/>
           </a:p>
@@ -1604,7 +1604,7 @@
           <a:p>
             <a:fld id="{3D6DEB8E-57A5-4E24-A79E-0156C7376F47}" type="datetimeFigureOut">
               <a:rPr lang="es-ES" smtClean="0"/>
-              <a:t>11/06/2022</a:t>
+              <a:t>13/06/2022</a:t>
             </a:fld>
             <a:endParaRPr lang="es-ES"/>
           </a:p>
@@ -1848,7 +1848,7 @@
           <a:p>
             <a:fld id="{3D6DEB8E-57A5-4E24-A79E-0156C7376F47}" type="datetimeFigureOut">
               <a:rPr lang="es-ES" smtClean="0"/>
-              <a:t>11/06/2022</a:t>
+              <a:t>13/06/2022</a:t>
             </a:fld>
             <a:endParaRPr lang="es-ES"/>
           </a:p>
@@ -2080,7 +2080,7 @@
           <a:p>
             <a:fld id="{3D6DEB8E-57A5-4E24-A79E-0156C7376F47}" type="datetimeFigureOut">
               <a:rPr lang="es-ES" smtClean="0"/>
-              <a:t>11/06/2022</a:t>
+              <a:t>13/06/2022</a:t>
             </a:fld>
             <a:endParaRPr lang="es-ES"/>
           </a:p>
@@ -2447,7 +2447,7 @@
           <a:p>
             <a:fld id="{3D6DEB8E-57A5-4E24-A79E-0156C7376F47}" type="datetimeFigureOut">
               <a:rPr lang="es-ES" smtClean="0"/>
-              <a:t>11/06/2022</a:t>
+              <a:t>13/06/2022</a:t>
             </a:fld>
             <a:endParaRPr lang="es-ES"/>
           </a:p>
@@ -2565,7 +2565,7 @@
           <a:p>
             <a:fld id="{3D6DEB8E-57A5-4E24-A79E-0156C7376F47}" type="datetimeFigureOut">
               <a:rPr lang="es-ES" smtClean="0"/>
-              <a:t>11/06/2022</a:t>
+              <a:t>13/06/2022</a:t>
             </a:fld>
             <a:endParaRPr lang="es-ES"/>
           </a:p>
@@ -2660,7 +2660,7 @@
           <a:p>
             <a:fld id="{3D6DEB8E-57A5-4E24-A79E-0156C7376F47}" type="datetimeFigureOut">
               <a:rPr lang="es-ES" smtClean="0"/>
-              <a:t>11/06/2022</a:t>
+              <a:t>13/06/2022</a:t>
             </a:fld>
             <a:endParaRPr lang="es-ES"/>
           </a:p>
@@ -2937,7 +2937,7 @@
           <a:p>
             <a:fld id="{3D6DEB8E-57A5-4E24-A79E-0156C7376F47}" type="datetimeFigureOut">
               <a:rPr lang="es-ES" smtClean="0"/>
-              <a:t>11/06/2022</a:t>
+              <a:t>13/06/2022</a:t>
             </a:fld>
             <a:endParaRPr lang="es-ES"/>
           </a:p>
@@ -3194,7 +3194,7 @@
           <a:p>
             <a:fld id="{3D6DEB8E-57A5-4E24-A79E-0156C7376F47}" type="datetimeFigureOut">
               <a:rPr lang="es-ES" smtClean="0"/>
-              <a:t>11/06/2022</a:t>
+              <a:t>13/06/2022</a:t>
             </a:fld>
             <a:endParaRPr lang="es-ES"/>
           </a:p>
@@ -3407,7 +3407,7 @@
           <a:p>
             <a:fld id="{3D6DEB8E-57A5-4E24-A79E-0156C7376F47}" type="datetimeFigureOut">
               <a:rPr lang="es-ES" smtClean="0"/>
-              <a:t>11/06/2022</a:t>
+              <a:t>13/06/2022</a:t>
             </a:fld>
             <a:endParaRPr lang="es-ES"/>
           </a:p>
@@ -12237,6 +12237,223 @@
       </p:grpSpPr>
       <p:sp>
         <p:nvSpPr>
+          <p:cNvPr id="40" name="Rectangle: Rounded Corners 39">
+            <a:extLst>
+              <a:ext uri="{FF2B5EF4-FFF2-40B4-BE49-F238E27FC236}">
+                <a16:creationId xmlns:a16="http://schemas.microsoft.com/office/drawing/2014/main" id="{9A1713A5-7DCE-1918-3E7B-65A6C77743E7}"/>
+              </a:ext>
+            </a:extLst>
+          </p:cNvPr>
+          <p:cNvSpPr/>
+          <p:nvPr/>
+        </p:nvSpPr>
+        <p:spPr>
+          <a:xfrm>
+            <a:off x="10009177" y="3449629"/>
+            <a:ext cx="2367445" cy="1184032"/>
+          </a:xfrm>
+          <a:prstGeom prst="roundRect">
+            <a:avLst>
+              <a:gd name="adj" fmla="val 15699"/>
+            </a:avLst>
+          </a:prstGeom>
+          <a:noFill/>
+          <a:ln w="28575">
+            <a:solidFill>
+              <a:srgbClr val="2C8AE0">
+                <a:alpha val="50196"/>
+              </a:srgbClr>
+            </a:solidFill>
+          </a:ln>
+        </p:spPr>
+        <p:style>
+          <a:lnRef idx="2">
+            <a:schemeClr val="accent1">
+              <a:shade val="50000"/>
+            </a:schemeClr>
+          </a:lnRef>
+          <a:fillRef idx="1">
+            <a:schemeClr val="accent1"/>
+          </a:fillRef>
+          <a:effectRef idx="0">
+            <a:schemeClr val="accent1"/>
+          </a:effectRef>
+          <a:fontRef idx="minor">
+            <a:schemeClr val="lt1"/>
+          </a:fontRef>
+        </p:style>
+        <p:txBody>
+          <a:bodyPr numCol="2" rtlCol="0" anchor="ctr"/>
+          <a:lstStyle/>
+          <a:p>
+            <a:pPr algn="ctr"/>
+            <a:endParaRPr lang="es-ES" sz="900" i="0" dirty="0">
+              <a:solidFill>
+                <a:srgbClr val="89A2BD"/>
+              </a:solidFill>
+              <a:effectLst/>
+              <a:latin typeface="Helvetica Neue"/>
+            </a:endParaRPr>
+          </a:p>
+          <a:p>
+            <a:pPr algn="ctr"/>
+            <a:endParaRPr lang="es-ES" sz="900" dirty="0">
+              <a:solidFill>
+                <a:srgbClr val="89A2BD"/>
+              </a:solidFill>
+              <a:latin typeface="Helvetica Neue"/>
+            </a:endParaRPr>
+          </a:p>
+          <a:p>
+            <a:pPr algn="ctr"/>
+            <a:endParaRPr lang="es-ES" sz="900" dirty="0">
+              <a:solidFill>
+                <a:srgbClr val="89A2BD"/>
+              </a:solidFill>
+              <a:latin typeface="Helvetica Neue"/>
+            </a:endParaRPr>
+          </a:p>
+          <a:p>
+            <a:pPr algn="ctr"/>
+            <a:r>
+              <a:rPr lang="es-ES" sz="900" i="0" dirty="0">
+                <a:solidFill>
+                  <a:srgbClr val="89A2BD"/>
+                </a:solidFill>
+                <a:effectLst/>
+                <a:latin typeface="Helvetica Neue"/>
+              </a:rPr>
+              <a:t>cons_food_pc_05</a:t>
+            </a:r>
+          </a:p>
+          <a:p>
+            <a:pPr algn="ctr"/>
+            <a:r>
+              <a:rPr lang="es-ES" sz="900" i="0" dirty="0">
+                <a:solidFill>
+                  <a:srgbClr val="89A2BD"/>
+                </a:solidFill>
+                <a:effectLst/>
+                <a:latin typeface="Helvetica Neue"/>
+              </a:rPr>
+              <a:t>cons_tot_pc_05</a:t>
+            </a:r>
+          </a:p>
+          <a:p>
+            <a:pPr algn="ctr"/>
+            <a:r>
+              <a:rPr lang="es-ES" sz="900" i="0" dirty="0">
+                <a:solidFill>
+                  <a:srgbClr val="89A2BD"/>
+                </a:solidFill>
+                <a:effectLst/>
+                <a:latin typeface="Helvetica Neue"/>
+              </a:rPr>
+              <a:t>s3ap24_htime_h_05</a:t>
+            </a:r>
+          </a:p>
+          <a:p>
+            <a:pPr algn="ctr"/>
+            <a:r>
+              <a:rPr lang="es-ES" sz="900" i="0" dirty="0" err="1">
+                <a:solidFill>
+                  <a:srgbClr val="89A2BD"/>
+                </a:solidFill>
+                <a:effectLst/>
+                <a:latin typeface="Helvetica Neue"/>
+              </a:rPr>
+              <a:t>bweight</a:t>
+            </a:r>
+            <a:endParaRPr lang="es-ES" sz="900" i="0" dirty="0">
+              <a:solidFill>
+                <a:srgbClr val="89A2BD"/>
+              </a:solidFill>
+              <a:effectLst/>
+              <a:latin typeface="Helvetica Neue"/>
+            </a:endParaRPr>
+          </a:p>
+          <a:p>
+            <a:pPr algn="ctr"/>
+            <a:endParaRPr lang="es-ES" sz="900" i="0" dirty="0">
+              <a:solidFill>
+                <a:srgbClr val="89A2BD"/>
+              </a:solidFill>
+              <a:effectLst/>
+              <a:latin typeface="Helvetica Neue"/>
+            </a:endParaRPr>
+          </a:p>
+          <a:p>
+            <a:pPr algn="ctr"/>
+            <a:endParaRPr lang="es-ES" sz="900" dirty="0">
+              <a:solidFill>
+                <a:srgbClr val="89A2BD"/>
+              </a:solidFill>
+              <a:latin typeface="Helvetica Neue"/>
+            </a:endParaRPr>
+          </a:p>
+          <a:p>
+            <a:pPr algn="ctr"/>
+            <a:endParaRPr lang="es-ES" sz="900" i="0" dirty="0">
+              <a:solidFill>
+                <a:srgbClr val="89A2BD"/>
+              </a:solidFill>
+              <a:effectLst/>
+              <a:latin typeface="Helvetica Neue"/>
+            </a:endParaRPr>
+          </a:p>
+          <a:p>
+            <a:pPr algn="ctr"/>
+            <a:r>
+              <a:rPr lang="es-ES" sz="900" i="0" dirty="0">
+                <a:solidFill>
+                  <a:srgbClr val="89A2BD"/>
+                </a:solidFill>
+                <a:effectLst/>
+                <a:latin typeface="Helvetica Neue"/>
+              </a:rPr>
+              <a:t>com_control_05</a:t>
+            </a:r>
+          </a:p>
+          <a:p>
+            <a:pPr algn="ctr"/>
+            <a:r>
+              <a:rPr lang="es-ES" sz="900" i="0" dirty="0">
+                <a:solidFill>
+                  <a:srgbClr val="89A2BD"/>
+                </a:solidFill>
+                <a:effectLst/>
+                <a:latin typeface="Helvetica Neue"/>
+              </a:rPr>
+              <a:t>pranimalprot_f_05</a:t>
+            </a:r>
+          </a:p>
+          <a:p>
+            <a:pPr algn="ctr"/>
+            <a:r>
+              <a:rPr lang="es-ES" sz="900" i="0" dirty="0">
+                <a:solidFill>
+                  <a:srgbClr val="89A2BD"/>
+                </a:solidFill>
+                <a:effectLst/>
+                <a:latin typeface="Helvetica Neue"/>
+              </a:rPr>
+              <a:t>prfruitveg_f_05</a:t>
+            </a:r>
+          </a:p>
+          <a:p>
+            <a:pPr algn="ctr"/>
+            <a:endParaRPr lang="es-ES" sz="900" i="0" dirty="0">
+              <a:solidFill>
+                <a:srgbClr val="89A2BD"/>
+              </a:solidFill>
+              <a:effectLst/>
+              <a:latin typeface="Helvetica Neue"/>
+            </a:endParaRPr>
+          </a:p>
+        </p:txBody>
+      </p:sp>
+      <p:sp>
+        <p:nvSpPr>
           <p:cNvPr id="78" name="Rectangle: Rounded Corners 77">
             <a:extLst>
               <a:ext uri="{FF2B5EF4-FFF2-40B4-BE49-F238E27FC236}">
@@ -13976,7 +14193,7 @@
         </p:nvSpPr>
         <p:spPr>
           <a:xfrm>
-            <a:off x="10009177" y="5250761"/>
+            <a:off x="10009177" y="5369556"/>
             <a:ext cx="2367445" cy="1184032"/>
           </a:xfrm>
           <a:prstGeom prst="roundRect">
@@ -15708,7 +15925,7 @@
         </p:nvCxnSpPr>
         <p:spPr>
           <a:xfrm>
-            <a:off x="11192900" y="3080669"/>
+            <a:off x="11192900" y="2994301"/>
             <a:ext cx="0" cy="226800"/>
           </a:xfrm>
           <a:prstGeom prst="straightConnector1">
@@ -15752,7 +15969,7 @@
         </p:nvCxnSpPr>
         <p:spPr>
           <a:xfrm>
-            <a:off x="11192900" y="4458600"/>
+            <a:off x="11192900" y="4681337"/>
             <a:ext cx="0" cy="226800"/>
           </a:xfrm>
           <a:prstGeom prst="straightConnector1">
@@ -15952,7 +16169,7 @@
         </p:nvSpPr>
         <p:spPr>
           <a:xfrm>
-            <a:off x="10009178" y="4846315"/>
+            <a:off x="10009178" y="4965110"/>
             <a:ext cx="2367445" cy="738554"/>
           </a:xfrm>
           <a:prstGeom prst="roundRect">
@@ -16009,7 +16226,7 @@
         </p:nvSpPr>
         <p:spPr>
           <a:xfrm>
-            <a:off x="10009177" y="3519493"/>
+            <a:off x="10009177" y="3234391"/>
             <a:ext cx="2367445" cy="738554"/>
           </a:xfrm>
           <a:prstGeom prst="roundRect">

--- a/assets/Infografia.pptx
+++ b/assets/Infografia.pptx
@@ -13080,7 +13080,7 @@
               <a:rPr lang="es-ES" dirty="0">
                 <a:latin typeface="Abadi" panose="020B0604020104020204" pitchFamily="34" charset="0"/>
               </a:rPr>
-              <a:t>4511 x 58 </a:t>
+              <a:t>4511 x 198 </a:t>
             </a:r>
             <a:r>
               <a:rPr lang="es-ES" dirty="0" err="1">

--- a/assets/Infografia.pptx
+++ b/assets/Infografia.pptx
@@ -234,10 +234,10 @@
                 <c:formatCode>General</c:formatCode>
                 <c:ptCount val="2"/>
                 <c:pt idx="0">
-                  <c:v>1000</c:v>
+                  <c:v>600</c:v>
                 </c:pt>
                 <c:pt idx="1">
-                  <c:v>3000</c:v>
+                  <c:v>1600</c:v>
                 </c:pt>
               </c:numCache>
             </c:numRef>
@@ -312,7 +312,6 @@
         <c:axId val="1819942400"/>
         <c:scaling>
           <c:orientation val="minMax"/>
-          <c:max val="3000"/>
         </c:scaling>
         <c:delete val="0"/>
         <c:axPos val="b"/>
@@ -3955,7 +3954,7 @@
           <p:nvPr>
             <p:extLst>
               <p:ext uri="{D42A27DB-BD31-4B8C-83A1-F6EECF244321}">
-                <p14:modId xmlns:p14="http://schemas.microsoft.com/office/powerpoint/2010/main" val="544922862"/>
+                <p14:modId xmlns:p14="http://schemas.microsoft.com/office/powerpoint/2010/main" val="3830010063"/>
               </p:ext>
             </p:extLst>
           </p:nvPr>
@@ -4467,7 +4466,7 @@
                 </a:solidFill>
                 <a:latin typeface="Abadi" panose="020B0604020104020204" pitchFamily="34" charset="0"/>
               </a:rPr>
-              <a:t> de hábitos de vida y de desarrollo psicomotriz de los niños de las más de 4000 familias participantes. Al cabo de aproximadamente 10 meses del inicio de las ayudas económicas se realizó una encuesta de seguimiento evaluando con especial atención el desarrollo de los niños.</a:t>
+              <a:t> de hábitos de vida y de desarrollo psicomotriz de los niños de las más de 2000 familias participantes. Al cabo de aproximadamente 10 meses del inicio de las ayudas económicas se realizó una encuesta de seguimiento evaluando con especial atención el desarrollo de los niños.</a:t>
             </a:r>
             <a:endParaRPr lang="es-ES" sz="1300" i="1" dirty="0">
               <a:solidFill>

--- a/assets/Infografia.pptx
+++ b/assets/Infografia.pptx
@@ -1083,7 +1083,7 @@
           <a:p>
             <a:fld id="{3D6DEB8E-57A5-4E24-A79E-0156C7376F47}" type="datetimeFigureOut">
               <a:rPr lang="es-ES" smtClean="0"/>
-              <a:t>13/06/2022</a:t>
+              <a:t>14/06/2022</a:t>
             </a:fld>
             <a:endParaRPr lang="es-ES"/>
           </a:p>
@@ -1253,7 +1253,7 @@
           <a:p>
             <a:fld id="{3D6DEB8E-57A5-4E24-A79E-0156C7376F47}" type="datetimeFigureOut">
               <a:rPr lang="es-ES" smtClean="0"/>
-              <a:t>13/06/2022</a:t>
+              <a:t>14/06/2022</a:t>
             </a:fld>
             <a:endParaRPr lang="es-ES"/>
           </a:p>
@@ -1433,7 +1433,7 @@
           <a:p>
             <a:fld id="{3D6DEB8E-57A5-4E24-A79E-0156C7376F47}" type="datetimeFigureOut">
               <a:rPr lang="es-ES" smtClean="0"/>
-              <a:t>13/06/2022</a:t>
+              <a:t>14/06/2022</a:t>
             </a:fld>
             <a:endParaRPr lang="es-ES"/>
           </a:p>
@@ -1603,7 +1603,7 @@
           <a:p>
             <a:fld id="{3D6DEB8E-57A5-4E24-A79E-0156C7376F47}" type="datetimeFigureOut">
               <a:rPr lang="es-ES" smtClean="0"/>
-              <a:t>13/06/2022</a:t>
+              <a:t>14/06/2022</a:t>
             </a:fld>
             <a:endParaRPr lang="es-ES"/>
           </a:p>
@@ -1847,7 +1847,7 @@
           <a:p>
             <a:fld id="{3D6DEB8E-57A5-4E24-A79E-0156C7376F47}" type="datetimeFigureOut">
               <a:rPr lang="es-ES" smtClean="0"/>
-              <a:t>13/06/2022</a:t>
+              <a:t>14/06/2022</a:t>
             </a:fld>
             <a:endParaRPr lang="es-ES"/>
           </a:p>
@@ -2079,7 +2079,7 @@
           <a:p>
             <a:fld id="{3D6DEB8E-57A5-4E24-A79E-0156C7376F47}" type="datetimeFigureOut">
               <a:rPr lang="es-ES" smtClean="0"/>
-              <a:t>13/06/2022</a:t>
+              <a:t>14/06/2022</a:t>
             </a:fld>
             <a:endParaRPr lang="es-ES"/>
           </a:p>
@@ -2446,7 +2446,7 @@
           <a:p>
             <a:fld id="{3D6DEB8E-57A5-4E24-A79E-0156C7376F47}" type="datetimeFigureOut">
               <a:rPr lang="es-ES" smtClean="0"/>
-              <a:t>13/06/2022</a:t>
+              <a:t>14/06/2022</a:t>
             </a:fld>
             <a:endParaRPr lang="es-ES"/>
           </a:p>
@@ -2564,7 +2564,7 @@
           <a:p>
             <a:fld id="{3D6DEB8E-57A5-4E24-A79E-0156C7376F47}" type="datetimeFigureOut">
               <a:rPr lang="es-ES" smtClean="0"/>
-              <a:t>13/06/2022</a:t>
+              <a:t>14/06/2022</a:t>
             </a:fld>
             <a:endParaRPr lang="es-ES"/>
           </a:p>
@@ -2659,7 +2659,7 @@
           <a:p>
             <a:fld id="{3D6DEB8E-57A5-4E24-A79E-0156C7376F47}" type="datetimeFigureOut">
               <a:rPr lang="es-ES" smtClean="0"/>
-              <a:t>13/06/2022</a:t>
+              <a:t>14/06/2022</a:t>
             </a:fld>
             <a:endParaRPr lang="es-ES"/>
           </a:p>
@@ -2936,7 +2936,7 @@
           <a:p>
             <a:fld id="{3D6DEB8E-57A5-4E24-A79E-0156C7376F47}" type="datetimeFigureOut">
               <a:rPr lang="es-ES" smtClean="0"/>
-              <a:t>13/06/2022</a:t>
+              <a:t>14/06/2022</a:t>
             </a:fld>
             <a:endParaRPr lang="es-ES"/>
           </a:p>
@@ -3193,7 +3193,7 @@
           <a:p>
             <a:fld id="{3D6DEB8E-57A5-4E24-A79E-0156C7376F47}" type="datetimeFigureOut">
               <a:rPr lang="es-ES" smtClean="0"/>
-              <a:t>13/06/2022</a:t>
+              <a:t>14/06/2022</a:t>
             </a:fld>
             <a:endParaRPr lang="es-ES"/>
           </a:p>
@@ -3406,7 +3406,7 @@
           <a:p>
             <a:fld id="{3D6DEB8E-57A5-4E24-A79E-0156C7376F47}" type="datetimeFigureOut">
               <a:rPr lang="es-ES" smtClean="0"/>
-              <a:t>13/06/2022</a:t>
+              <a:t>14/06/2022</a:t>
             </a:fld>
             <a:endParaRPr lang="es-ES"/>
           </a:p>
@@ -12466,7 +12466,7 @@
         <p:spPr>
           <a:xfrm>
             <a:off x="3425916" y="4572000"/>
-            <a:ext cx="2355201" cy="1735015"/>
+            <a:ext cx="2355201" cy="1574589"/>
           </a:xfrm>
           <a:prstGeom prst="roundRect">
             <a:avLst>
@@ -12625,46 +12625,6 @@
               </a:rPr>
               <a:t>cons_tot_pc_05</a:t>
             </a:r>
-          </a:p>
-          <a:p>
-            <a:pPr algn="ctr"/>
-            <a:r>
-              <a:rPr lang="es-ES" sz="900" i="0" dirty="0">
-                <a:solidFill>
-                  <a:srgbClr val="89A2BD"/>
-                </a:solidFill>
-                <a:effectLst/>
-                <a:latin typeface="Helvetica Neue"/>
-              </a:rPr>
-              <a:t>tvip_05</a:t>
-            </a:r>
-            <a:endParaRPr lang="es-ES" sz="900" dirty="0">
-              <a:solidFill>
-                <a:srgbClr val="89A2BD"/>
-              </a:solidFill>
-              <a:latin typeface="Helvetica Neue"/>
-            </a:endParaRPr>
-          </a:p>
-          <a:p>
-            <a:pPr algn="ctr"/>
-            <a:endParaRPr lang="es-ES" sz="900" dirty="0">
-              <a:solidFill>
-                <a:srgbClr val="89A2BD"/>
-              </a:solidFill>
-              <a:latin typeface="Helvetica Neue"/>
-            </a:endParaRPr>
-          </a:p>
-          <a:p>
-            <a:pPr algn="ctr"/>
-            <a:endParaRPr lang="es-ES" sz="900" dirty="0">
-              <a:solidFill>
-                <a:srgbClr val="89A2BD"/>
-              </a:solidFill>
-              <a:latin typeface="Helvetica Neue"/>
-            </a:endParaRPr>
-          </a:p>
-          <a:p>
-            <a:pPr algn="ctr"/>
             <a:endParaRPr lang="es-ES" sz="2000" dirty="0">
               <a:solidFill>
                 <a:srgbClr val="89A2BD"/>
@@ -12684,6 +12644,35 @@
               </a:rPr>
               <a:t>yrsedfath</a:t>
             </a:r>
+            <a:endParaRPr lang="es-ES" sz="900" i="0" dirty="0">
+              <a:solidFill>
+                <a:srgbClr val="89A2BD"/>
+              </a:solidFill>
+              <a:effectLst/>
+              <a:latin typeface="Helvetica Neue"/>
+            </a:endParaRPr>
+          </a:p>
+          <a:p>
+            <a:pPr algn="ctr"/>
+            <a:endParaRPr lang="es-ES" sz="900" dirty="0">
+              <a:solidFill>
+                <a:srgbClr val="89A2BD"/>
+              </a:solidFill>
+              <a:latin typeface="Helvetica Neue"/>
+            </a:endParaRPr>
+          </a:p>
+          <a:p>
+            <a:pPr algn="ctr"/>
+            <a:endParaRPr lang="es-ES" sz="900" i="0" dirty="0">
+              <a:solidFill>
+                <a:srgbClr val="89A2BD"/>
+              </a:solidFill>
+              <a:effectLst/>
+              <a:latin typeface="Helvetica Neue"/>
+            </a:endParaRPr>
+          </a:p>
+          <a:p>
+            <a:pPr algn="ctr"/>
             <a:endParaRPr lang="es-ES" sz="900" i="0" dirty="0">
               <a:solidFill>
                 <a:srgbClr val="89A2BD"/>
